--- a/Tue-Thr/DS-Day-20 R.pptx
+++ b/Tue-Thr/DS-Day-20 R.pptx
@@ -198,7 +198,7 @@
           <a:p>
             <a:fld id="{22783AA6-C1EF-448D-A48A-EF30DCBEFCCC}" type="datetimeFigureOut">
               <a:rPr lang="en-US" smtClean="0"/>
-              <a:t>11/21/18</a:t>
+              <a:t>11/26/18</a:t>
             </a:fld>
             <a:endParaRPr lang="en-US"/>
           </a:p>
@@ -812,7 +812,7 @@
           <a:p>
             <a:fld id="{C14F4D0B-68E4-4C14-BD4D-319F9BD213A3}" type="datetimeFigureOut">
               <a:rPr lang="ru-RU" smtClean="0"/>
-              <a:t>21.11.2018</a:t>
+              <a:t>26.11.2018</a:t>
             </a:fld>
             <a:endParaRPr lang="ru-RU"/>
           </a:p>
@@ -982,7 +982,7 @@
           <a:p>
             <a:fld id="{C14F4D0B-68E4-4C14-BD4D-319F9BD213A3}" type="datetimeFigureOut">
               <a:rPr lang="ru-RU" smtClean="0"/>
-              <a:t>21.11.2018</a:t>
+              <a:t>26.11.2018</a:t>
             </a:fld>
             <a:endParaRPr lang="ru-RU"/>
           </a:p>
@@ -1162,7 +1162,7 @@
           <a:p>
             <a:fld id="{C14F4D0B-68E4-4C14-BD4D-319F9BD213A3}" type="datetimeFigureOut">
               <a:rPr lang="ru-RU" smtClean="0"/>
-              <a:t>21.11.2018</a:t>
+              <a:t>26.11.2018</a:t>
             </a:fld>
             <a:endParaRPr lang="ru-RU"/>
           </a:p>
@@ -1332,7 +1332,7 @@
           <a:p>
             <a:fld id="{C14F4D0B-68E4-4C14-BD4D-319F9BD213A3}" type="datetimeFigureOut">
               <a:rPr lang="ru-RU" smtClean="0"/>
-              <a:t>21.11.2018</a:t>
+              <a:t>26.11.2018</a:t>
             </a:fld>
             <a:endParaRPr lang="ru-RU"/>
           </a:p>
@@ -1583,7 +1583,7 @@
           <a:p>
             <a:fld id="{C14F4D0B-68E4-4C14-BD4D-319F9BD213A3}" type="datetimeFigureOut">
               <a:rPr lang="ru-RU" smtClean="0"/>
-              <a:t>21.11.2018</a:t>
+              <a:t>26.11.2018</a:t>
             </a:fld>
             <a:endParaRPr lang="ru-RU"/>
           </a:p>
@@ -1815,7 +1815,7 @@
           <a:p>
             <a:fld id="{C14F4D0B-68E4-4C14-BD4D-319F9BD213A3}" type="datetimeFigureOut">
               <a:rPr lang="ru-RU" smtClean="0"/>
-              <a:t>21.11.2018</a:t>
+              <a:t>26.11.2018</a:t>
             </a:fld>
             <a:endParaRPr lang="ru-RU"/>
           </a:p>
@@ -2162,7 +2162,7 @@
           <a:p>
             <a:fld id="{C14F4D0B-68E4-4C14-BD4D-319F9BD213A3}" type="datetimeFigureOut">
               <a:rPr lang="ru-RU" smtClean="0"/>
-              <a:t>21.11.2018</a:t>
+              <a:t>26.11.2018</a:t>
             </a:fld>
             <a:endParaRPr lang="ru-RU"/>
           </a:p>
@@ -2280,7 +2280,7 @@
           <a:p>
             <a:fld id="{C14F4D0B-68E4-4C14-BD4D-319F9BD213A3}" type="datetimeFigureOut">
               <a:rPr lang="ru-RU" smtClean="0"/>
-              <a:t>21.11.2018</a:t>
+              <a:t>26.11.2018</a:t>
             </a:fld>
             <a:endParaRPr lang="ru-RU"/>
           </a:p>
@@ -2398,7 +2398,7 @@
           <a:p>
             <a:fld id="{C14F4D0B-68E4-4C14-BD4D-319F9BD213A3}" type="datetimeFigureOut">
               <a:rPr lang="ru-RU" smtClean="0"/>
-              <a:t>21.11.2018</a:t>
+              <a:t>26.11.2018</a:t>
             </a:fld>
             <a:endParaRPr lang="ru-RU"/>
           </a:p>
@@ -2682,7 +2682,7 @@
           <a:p>
             <a:fld id="{C14F4D0B-68E4-4C14-BD4D-319F9BD213A3}" type="datetimeFigureOut">
               <a:rPr lang="ru-RU" smtClean="0"/>
-              <a:t>21.11.2018</a:t>
+              <a:t>26.11.2018</a:t>
             </a:fld>
             <a:endParaRPr lang="ru-RU"/>
           </a:p>
@@ -2946,7 +2946,7 @@
           <a:p>
             <a:fld id="{C14F4D0B-68E4-4C14-BD4D-319F9BD213A3}" type="datetimeFigureOut">
               <a:rPr lang="ru-RU" smtClean="0"/>
-              <a:t>21.11.2018</a:t>
+              <a:t>26.11.2018</a:t>
             </a:fld>
             <a:endParaRPr lang="ru-RU"/>
           </a:p>
@@ -3160,7 +3160,7 @@
           <a:p>
             <a:fld id="{C14F4D0B-68E4-4C14-BD4D-319F9BD213A3}" type="datetimeFigureOut">
               <a:rPr lang="ru-RU" smtClean="0"/>
-              <a:t>21.11.2018</a:t>
+              <a:t>26.11.2018</a:t>
             </a:fld>
             <a:endParaRPr lang="ru-RU"/>
           </a:p>
@@ -3749,12 +3749,8 @@
               <a:t> – использование команды </a:t>
             </a:r>
             <a:r>
-              <a:rPr lang="en-US" sz="2400" dirty="0" err="1"/>
-              <a:t>stemWord</a:t>
-            </a:r>
-            <a:r>
-              <a:rPr lang="en-US" sz="2400" dirty="0"/>
-              <a:t> </a:t>
+              <a:rPr lang="en-US" sz="2400"/>
+              <a:t>stemDocument </a:t>
             </a:r>
             <a:r>
               <a:rPr lang="ru-RU" sz="2400" dirty="0"/>
